--- a/Presentation1.pptx
+++ b/Presentation1.pptx
@@ -107,6 +107,11 @@
       </a:defRPr>
     </a:lvl9pPr>
   </p:defaultTextStyle>
+  <p:extLst>
+    <p:ext uri="{EFAFB233-063F-42B5-8137-9DF3F51BA10A}">
+      <p15:sldGuideLst xmlns:p15="http://schemas.microsoft.com/office/powerpoint/2012/main"/>
+    </p:ext>
+  </p:extLst>
 </p:presentation>
 </file>
 
@@ -192,7 +197,7 @@
           <a:p>
             <a:fld id="{59EDCB4B-4020-BB49-A14C-EAF6B7106505}" type="datetimeFigureOut">
               <a:rPr lang="en-US" smtClean="0"/>
-              <a:t>1/20/23</a:t>
+              <a:t>1/21/23</a:t>
             </a:fld>
             <a:endParaRPr lang="en-US" dirty="0"/>
           </a:p>
@@ -693,7 +698,7 @@
           <a:p>
             <a:fld id="{E4DC4D61-BA76-AF4F-8DBA-FADF6EA43CD3}" type="datetimeFigureOut">
               <a:rPr lang="en-US" smtClean="0"/>
-              <a:t>1/20/23</a:t>
+              <a:t>1/21/23</a:t>
             </a:fld>
             <a:endParaRPr lang="en-US" dirty="0"/>
           </a:p>
@@ -893,7 +898,7 @@
           <a:p>
             <a:fld id="{E4DC4D61-BA76-AF4F-8DBA-FADF6EA43CD3}" type="datetimeFigureOut">
               <a:rPr lang="en-US" smtClean="0"/>
-              <a:t>1/20/23</a:t>
+              <a:t>1/21/23</a:t>
             </a:fld>
             <a:endParaRPr lang="en-US" dirty="0"/>
           </a:p>
@@ -1103,7 +1108,7 @@
           <a:p>
             <a:fld id="{E4DC4D61-BA76-AF4F-8DBA-FADF6EA43CD3}" type="datetimeFigureOut">
               <a:rPr lang="en-US" smtClean="0"/>
-              <a:t>1/20/23</a:t>
+              <a:t>1/21/23</a:t>
             </a:fld>
             <a:endParaRPr lang="en-US" dirty="0"/>
           </a:p>
@@ -1303,7 +1308,7 @@
           <a:p>
             <a:fld id="{E4DC4D61-BA76-AF4F-8DBA-FADF6EA43CD3}" type="datetimeFigureOut">
               <a:rPr lang="en-US" smtClean="0"/>
-              <a:t>1/20/23</a:t>
+              <a:t>1/21/23</a:t>
             </a:fld>
             <a:endParaRPr lang="en-US" dirty="0"/>
           </a:p>
@@ -1579,7 +1584,7 @@
           <a:p>
             <a:fld id="{E4DC4D61-BA76-AF4F-8DBA-FADF6EA43CD3}" type="datetimeFigureOut">
               <a:rPr lang="en-US" smtClean="0"/>
-              <a:t>1/20/23</a:t>
+              <a:t>1/21/23</a:t>
             </a:fld>
             <a:endParaRPr lang="en-US" dirty="0"/>
           </a:p>
@@ -1847,7 +1852,7 @@
           <a:p>
             <a:fld id="{E4DC4D61-BA76-AF4F-8DBA-FADF6EA43CD3}" type="datetimeFigureOut">
               <a:rPr lang="en-US" smtClean="0"/>
-              <a:t>1/20/23</a:t>
+              <a:t>1/21/23</a:t>
             </a:fld>
             <a:endParaRPr lang="en-US" dirty="0"/>
           </a:p>
@@ -2262,7 +2267,7 @@
           <a:p>
             <a:fld id="{E4DC4D61-BA76-AF4F-8DBA-FADF6EA43CD3}" type="datetimeFigureOut">
               <a:rPr lang="en-US" smtClean="0"/>
-              <a:t>1/20/23</a:t>
+              <a:t>1/21/23</a:t>
             </a:fld>
             <a:endParaRPr lang="en-US" dirty="0"/>
           </a:p>
@@ -2404,7 +2409,7 @@
           <a:p>
             <a:fld id="{E4DC4D61-BA76-AF4F-8DBA-FADF6EA43CD3}" type="datetimeFigureOut">
               <a:rPr lang="en-US" smtClean="0"/>
-              <a:t>1/20/23</a:t>
+              <a:t>1/21/23</a:t>
             </a:fld>
             <a:endParaRPr lang="en-US" dirty="0"/>
           </a:p>
@@ -2517,7 +2522,7 @@
           <a:p>
             <a:fld id="{E4DC4D61-BA76-AF4F-8DBA-FADF6EA43CD3}" type="datetimeFigureOut">
               <a:rPr lang="en-US" smtClean="0"/>
-              <a:t>1/20/23</a:t>
+              <a:t>1/21/23</a:t>
             </a:fld>
             <a:endParaRPr lang="en-US" dirty="0"/>
           </a:p>
@@ -2830,7 +2835,7 @@
           <a:p>
             <a:fld id="{E4DC4D61-BA76-AF4F-8DBA-FADF6EA43CD3}" type="datetimeFigureOut">
               <a:rPr lang="en-US" smtClean="0"/>
-              <a:t>1/20/23</a:t>
+              <a:t>1/21/23</a:t>
             </a:fld>
             <a:endParaRPr lang="en-US" dirty="0"/>
           </a:p>
@@ -3119,7 +3124,7 @@
           <a:p>
             <a:fld id="{E4DC4D61-BA76-AF4F-8DBA-FADF6EA43CD3}" type="datetimeFigureOut">
               <a:rPr lang="en-US" smtClean="0"/>
-              <a:t>1/20/23</a:t>
+              <a:t>1/21/23</a:t>
             </a:fld>
             <a:endParaRPr lang="en-US" dirty="0"/>
           </a:p>
@@ -3362,7 +3367,7 @@
           <a:p>
             <a:fld id="{E4DC4D61-BA76-AF4F-8DBA-FADF6EA43CD3}" type="datetimeFigureOut">
               <a:rPr lang="en-US" smtClean="0"/>
-              <a:t>1/20/23</a:t>
+              <a:t>1/21/23</a:t>
             </a:fld>
             <a:endParaRPr lang="en-US" dirty="0"/>
           </a:p>
@@ -4324,7 +4329,7 @@
                   <a:schemeClr val="tx1"/>
                 </a:solidFill>
               </a:rPr>
-              <a:t>Points are stored to the score</a:t>
+              <a:t>10 points are stored to the score</a:t>
             </a:r>
           </a:p>
         </p:txBody>
@@ -4663,11 +4668,11 @@
         <p:spPr>
           <a:xfrm flipH="1" flipV="1">
             <a:off x="5085971" y="789816"/>
-            <a:ext cx="1001324" cy="2778826"/>
+            <a:ext cx="991591" cy="3057424"/>
           </a:xfrm>
           <a:prstGeom prst="bentConnector3">
             <a:avLst>
-              <a:gd name="adj1" fmla="val -22830"/>
+              <a:gd name="adj1" fmla="val -23054"/>
             </a:avLst>
           </a:prstGeom>
           <a:ln>
@@ -4707,8 +4712,8 @@
         </p:nvCxnSpPr>
         <p:spPr>
           <a:xfrm flipH="1">
-            <a:off x="4708122" y="3134885"/>
-            <a:ext cx="518809" cy="180143"/>
+            <a:off x="4623103" y="3254072"/>
+            <a:ext cx="641258" cy="340617"/>
           </a:xfrm>
           <a:prstGeom prst="straightConnector1">
             <a:avLst/>
@@ -4746,7 +4751,7 @@
         </p:nvSpPr>
         <p:spPr>
           <a:xfrm>
-            <a:off x="4274895" y="3315028"/>
+            <a:off x="4189876" y="3594689"/>
             <a:ext cx="866454" cy="507228"/>
           </a:xfrm>
           <a:prstGeom prst="round2DiagRect">
@@ -4804,7 +4809,7 @@
         </p:nvSpPr>
         <p:spPr>
           <a:xfrm>
-            <a:off x="4966957" y="2872241"/>
+            <a:off x="5004387" y="2991428"/>
             <a:ext cx="519948" cy="262644"/>
           </a:xfrm>
           <a:prstGeom prst="ellipse">
@@ -4860,7 +4865,7 @@
         </p:nvSpPr>
         <p:spPr>
           <a:xfrm>
-            <a:off x="5220841" y="3315028"/>
+            <a:off x="5211108" y="3593626"/>
             <a:ext cx="866454" cy="507228"/>
           </a:xfrm>
           <a:prstGeom prst="round2DiagRect">
@@ -4922,8 +4927,8 @@
         </p:nvCxnSpPr>
         <p:spPr>
           <a:xfrm>
-            <a:off x="5226931" y="3134885"/>
-            <a:ext cx="427137" cy="180143"/>
+            <a:off x="5264361" y="3254072"/>
+            <a:ext cx="379974" cy="339554"/>
           </a:xfrm>
           <a:prstGeom prst="straightConnector1">
             <a:avLst/>
@@ -4966,7 +4971,7 @@
         <p:spPr>
           <a:xfrm>
             <a:off x="4648365" y="2272977"/>
-            <a:ext cx="578566" cy="599264"/>
+            <a:ext cx="615996" cy="718451"/>
           </a:xfrm>
           <a:prstGeom prst="straightConnector1">
             <a:avLst/>
@@ -5146,7 +5151,7 @@
         </p:nvSpPr>
         <p:spPr>
           <a:xfrm>
-            <a:off x="1399033" y="3822256"/>
+            <a:off x="1070488" y="4184131"/>
             <a:ext cx="1323952" cy="414052"/>
           </a:xfrm>
           <a:prstGeom prst="snip2DiagRect">
@@ -5243,7 +5248,7 @@
         <p:spPr>
           <a:xfrm>
             <a:off x="593125" y="2678219"/>
-            <a:ext cx="1467884" cy="1144037"/>
+            <a:ext cx="1139339" cy="1505912"/>
           </a:xfrm>
           <a:prstGeom prst="straightConnector1">
             <a:avLst/>
@@ -5278,15 +5283,15 @@
           </p:cNvPr>
           <p:cNvCxnSpPr>
             <a:cxnSpLocks/>
-            <a:stCxn id="140" idx="2"/>
+            <a:stCxn id="140" idx="1"/>
             <a:endCxn id="166" idx="3"/>
           </p:cNvCxnSpPr>
           <p:nvPr/>
         </p:nvCxnSpPr>
         <p:spPr>
           <a:xfrm flipH="1">
-            <a:off x="2061009" y="3568642"/>
-            <a:ext cx="2213886" cy="253614"/>
+            <a:off x="1732464" y="4101917"/>
+            <a:ext cx="2890639" cy="82214"/>
           </a:xfrm>
           <a:prstGeom prst="straightConnector1">
             <a:avLst/>
@@ -5324,8 +5329,8 @@
         </p:nvSpPr>
         <p:spPr>
           <a:xfrm>
-            <a:off x="593125" y="4532706"/>
-            <a:ext cx="1227886" cy="248612"/>
+            <a:off x="1461353" y="5805845"/>
+            <a:ext cx="1792546" cy="298250"/>
           </a:xfrm>
           <a:prstGeom prst="roundRect">
             <a:avLst/>
@@ -5354,8 +5359,13 @@
             <a:pPr algn="ctr"/>
             <a:r>
               <a:rPr lang="en-US" sz="800" dirty="0"/>
-              <a:t>Display score</a:t>
-            </a:r>
+              <a:t>Highscores saved largest number </a:t>
+            </a:r>
+            <a:r>
+              <a:rPr lang="en-US" sz="800" dirty="0" err="1"/>
+              <a:t>desending</a:t>
+            </a:r>
+            <a:endParaRPr lang="en-US" sz="800" dirty="0"/>
           </a:p>
         </p:txBody>
       </p:sp>
@@ -5373,7 +5383,7 @@
         </p:nvSpPr>
         <p:spPr>
           <a:xfrm>
-            <a:off x="2015534" y="4473158"/>
+            <a:off x="1686989" y="4835033"/>
             <a:ext cx="1713677" cy="367708"/>
           </a:xfrm>
           <a:prstGeom prst="roundRect">
@@ -5425,7 +5435,7 @@
         </p:nvCxnSpPr>
         <p:spPr>
           <a:xfrm>
-            <a:off x="2061009" y="4236308"/>
+            <a:off x="1732464" y="4598183"/>
             <a:ext cx="811364" cy="236850"/>
           </a:xfrm>
           <a:prstGeom prst="straightConnector1">
@@ -5460,15 +5470,16 @@
             </a:extLst>
           </p:cNvPr>
           <p:cNvCxnSpPr>
+            <a:cxnSpLocks/>
             <a:stCxn id="166" idx="1"/>
-            <a:endCxn id="177" idx="0"/>
+            <a:endCxn id="33" idx="0"/>
           </p:cNvCxnSpPr>
           <p:nvPr/>
         </p:nvCxnSpPr>
         <p:spPr>
           <a:xfrm flipH="1">
-            <a:off x="1207068" y="4236308"/>
-            <a:ext cx="853941" cy="296398"/>
+            <a:off x="875625" y="4598183"/>
+            <a:ext cx="856839" cy="279149"/>
           </a:xfrm>
           <a:prstGeom prst="straightConnector1">
             <a:avLst/>
@@ -5506,7 +5517,7 @@
         </p:nvSpPr>
         <p:spPr>
           <a:xfrm>
-            <a:off x="2365108" y="5092128"/>
+            <a:off x="2075296" y="5325520"/>
             <a:ext cx="1713677" cy="367708"/>
           </a:xfrm>
           <a:prstGeom prst="roundRect">
@@ -5559,8 +5570,8 @@
         </p:nvCxnSpPr>
         <p:spPr>
           <a:xfrm>
-            <a:off x="2872373" y="4840866"/>
-            <a:ext cx="349574" cy="251262"/>
+            <a:off x="2543828" y="5202741"/>
+            <a:ext cx="388307" cy="122779"/>
           </a:xfrm>
           <a:prstGeom prst="straightConnector1">
             <a:avLst/>
@@ -6032,6 +6043,257 @@
           </a:p>
           <a:p>
             <a:endParaRPr lang="en-US" sz="700" dirty="0"/>
+          </a:p>
+        </p:txBody>
+      </p:sp>
+      <p:sp>
+        <p:nvSpPr>
+          <p:cNvPr id="14" name="Round Diagonal Corner of Rectangle 13">
+            <a:extLst>
+              <a:ext uri="{FF2B5EF4-FFF2-40B4-BE49-F238E27FC236}">
+                <a16:creationId xmlns:a16="http://schemas.microsoft.com/office/drawing/2014/main" id="{2FD506FB-1140-F3F8-B586-4B5BF597A635}"/>
+              </a:ext>
+            </a:extLst>
+          </p:cNvPr>
+          <p:cNvSpPr/>
+          <p:nvPr/>
+        </p:nvSpPr>
+        <p:spPr>
+          <a:xfrm>
+            <a:off x="3059937" y="3429000"/>
+            <a:ext cx="866454" cy="507228"/>
+          </a:xfrm>
+          <a:prstGeom prst="round2DiagRect">
+            <a:avLst/>
+          </a:prstGeom>
+        </p:spPr>
+        <p:style>
+          <a:lnRef idx="2">
+            <a:schemeClr val="accent1">
+              <a:shade val="50000"/>
+            </a:schemeClr>
+          </a:lnRef>
+          <a:fillRef idx="1">
+            <a:schemeClr val="accent1"/>
+          </a:fillRef>
+          <a:effectRef idx="0">
+            <a:schemeClr val="accent1"/>
+          </a:effectRef>
+          <a:fontRef idx="minor">
+            <a:schemeClr val="lt1"/>
+          </a:fontRef>
+        </p:style>
+        <p:txBody>
+          <a:bodyPr rtlCol="0" anchor="ctr"/>
+          <a:lstStyle/>
+          <a:p>
+            <a:pPr algn="ctr"/>
+            <a:r>
+              <a:rPr lang="en-US" sz="800" dirty="0">
+                <a:solidFill>
+                  <a:schemeClr val="bg2"/>
+                </a:solidFill>
+              </a:rPr>
+              <a:t>Display ”Wrong!” On next question</a:t>
+            </a:r>
+            <a:endParaRPr lang="en-US" sz="800" dirty="0">
+              <a:solidFill>
+                <a:schemeClr val="tx1"/>
+              </a:solidFill>
+            </a:endParaRPr>
+          </a:p>
+        </p:txBody>
+      </p:sp>
+      <p:sp>
+        <p:nvSpPr>
+          <p:cNvPr id="15" name="Round Diagonal Corner of Rectangle 14">
+            <a:extLst>
+              <a:ext uri="{FF2B5EF4-FFF2-40B4-BE49-F238E27FC236}">
+                <a16:creationId xmlns:a16="http://schemas.microsoft.com/office/drawing/2014/main" id="{08EA4EA7-62E6-6CF3-6401-42FAFAD8BAD9}"/>
+              </a:ext>
+            </a:extLst>
+          </p:cNvPr>
+          <p:cNvSpPr/>
+          <p:nvPr/>
+        </p:nvSpPr>
+        <p:spPr>
+          <a:xfrm>
+            <a:off x="2110601" y="3444747"/>
+            <a:ext cx="866454" cy="507228"/>
+          </a:xfrm>
+          <a:prstGeom prst="round2DiagRect">
+            <a:avLst/>
+          </a:prstGeom>
+        </p:spPr>
+        <p:style>
+          <a:lnRef idx="2">
+            <a:schemeClr val="accent1">
+              <a:shade val="50000"/>
+            </a:schemeClr>
+          </a:lnRef>
+          <a:fillRef idx="1">
+            <a:schemeClr val="accent1"/>
+          </a:fillRef>
+          <a:effectRef idx="0">
+            <a:schemeClr val="accent1"/>
+          </a:effectRef>
+          <a:fontRef idx="minor">
+            <a:schemeClr val="lt1"/>
+          </a:fontRef>
+        </p:style>
+        <p:txBody>
+          <a:bodyPr rtlCol="0" anchor="ctr"/>
+          <a:lstStyle/>
+          <a:p>
+            <a:pPr algn="ctr"/>
+            <a:r>
+              <a:rPr lang="en-US" sz="800" dirty="0">
+                <a:solidFill>
+                  <a:schemeClr val="bg2"/>
+                </a:solidFill>
+              </a:rPr>
+              <a:t>Display ”Correct!” On next question</a:t>
+            </a:r>
+            <a:endParaRPr lang="en-US" sz="800" dirty="0">
+              <a:solidFill>
+                <a:schemeClr val="tx1"/>
+              </a:solidFill>
+            </a:endParaRPr>
+          </a:p>
+        </p:txBody>
+      </p:sp>
+      <p:cxnSp>
+        <p:nvCxnSpPr>
+          <p:cNvPr id="17" name="Straight Arrow Connector 16">
+            <a:extLst>
+              <a:ext uri="{FF2B5EF4-FFF2-40B4-BE49-F238E27FC236}">
+                <a16:creationId xmlns:a16="http://schemas.microsoft.com/office/drawing/2014/main" id="{326BC50D-3A6A-BD22-5B5A-4FF520430B94}"/>
+              </a:ext>
+            </a:extLst>
+          </p:cNvPr>
+          <p:cNvCxnSpPr>
+            <a:cxnSpLocks/>
+            <a:stCxn id="42" idx="1"/>
+            <a:endCxn id="15" idx="3"/>
+          </p:cNvCxnSpPr>
+          <p:nvPr/>
+        </p:nvCxnSpPr>
+        <p:spPr>
+          <a:xfrm flipH="1">
+            <a:off x="2543828" y="3296356"/>
+            <a:ext cx="1138" cy="148391"/>
+          </a:xfrm>
+          <a:prstGeom prst="straightConnector1">
+            <a:avLst/>
+          </a:prstGeom>
+          <a:ln>
+            <a:tailEnd type="triangle"/>
+          </a:ln>
+        </p:spPr>
+        <p:style>
+          <a:lnRef idx="1">
+            <a:schemeClr val="accent1"/>
+          </a:lnRef>
+          <a:fillRef idx="0">
+            <a:schemeClr val="accent1"/>
+          </a:fillRef>
+          <a:effectRef idx="0">
+            <a:schemeClr val="accent1"/>
+          </a:effectRef>
+          <a:fontRef idx="minor">
+            <a:schemeClr val="tx1"/>
+          </a:fontRef>
+        </p:style>
+      </p:cxnSp>
+      <p:cxnSp>
+        <p:nvCxnSpPr>
+          <p:cNvPr id="18" name="Straight Arrow Connector 17">
+            <a:extLst>
+              <a:ext uri="{FF2B5EF4-FFF2-40B4-BE49-F238E27FC236}">
+                <a16:creationId xmlns:a16="http://schemas.microsoft.com/office/drawing/2014/main" id="{F0D8C758-A0B4-D04F-120F-630DD4801870}"/>
+              </a:ext>
+            </a:extLst>
+          </p:cNvPr>
+          <p:cNvCxnSpPr>
+            <a:cxnSpLocks/>
+            <a:stCxn id="63" idx="1"/>
+            <a:endCxn id="14" idx="3"/>
+          </p:cNvCxnSpPr>
+          <p:nvPr/>
+        </p:nvCxnSpPr>
+        <p:spPr>
+          <a:xfrm>
+            <a:off x="3490912" y="3296356"/>
+            <a:ext cx="2252" cy="132644"/>
+          </a:xfrm>
+          <a:prstGeom prst="straightConnector1">
+            <a:avLst/>
+          </a:prstGeom>
+          <a:ln>
+            <a:tailEnd type="triangle"/>
+          </a:ln>
+        </p:spPr>
+        <p:style>
+          <a:lnRef idx="1">
+            <a:schemeClr val="accent1"/>
+          </a:lnRef>
+          <a:fillRef idx="0">
+            <a:schemeClr val="accent1"/>
+          </a:fillRef>
+          <a:effectRef idx="0">
+            <a:schemeClr val="accent1"/>
+          </a:effectRef>
+          <a:fontRef idx="minor">
+            <a:schemeClr val="tx1"/>
+          </a:fontRef>
+        </p:style>
+      </p:cxnSp>
+      <p:sp>
+        <p:nvSpPr>
+          <p:cNvPr id="33" name="Rounded Rectangle 32">
+            <a:extLst>
+              <a:ext uri="{FF2B5EF4-FFF2-40B4-BE49-F238E27FC236}">
+                <a16:creationId xmlns:a16="http://schemas.microsoft.com/office/drawing/2014/main" id="{0817C997-10F5-A163-F274-F6D5E975797A}"/>
+              </a:ext>
+            </a:extLst>
+          </p:cNvPr>
+          <p:cNvSpPr/>
+          <p:nvPr/>
+        </p:nvSpPr>
+        <p:spPr>
+          <a:xfrm>
+            <a:off x="261682" y="4877332"/>
+            <a:ext cx="1227886" cy="248612"/>
+          </a:xfrm>
+          <a:prstGeom prst="roundRect">
+            <a:avLst/>
+          </a:prstGeom>
+        </p:spPr>
+        <p:style>
+          <a:lnRef idx="2">
+            <a:schemeClr val="accent1">
+              <a:shade val="50000"/>
+            </a:schemeClr>
+          </a:lnRef>
+          <a:fillRef idx="1">
+            <a:schemeClr val="accent1"/>
+          </a:fillRef>
+          <a:effectRef idx="0">
+            <a:schemeClr val="accent1"/>
+          </a:effectRef>
+          <a:fontRef idx="minor">
+            <a:schemeClr val="lt1"/>
+          </a:fontRef>
+        </p:style>
+        <p:txBody>
+          <a:bodyPr rtlCol="0" anchor="ctr"/>
+          <a:lstStyle/>
+          <a:p>
+            <a:pPr algn="ctr"/>
+            <a:r>
+              <a:rPr lang="en-US" sz="800" dirty="0"/>
+              <a:t>Display score</a:t>
+            </a:r>
           </a:p>
         </p:txBody>
       </p:sp>
